--- a/클래스.pptx
+++ b/클래스.pptx
@@ -6,8 +6,11 @@
   </p:sldMasterIdLst>
   <p:sldIdLst>
     <p:sldId id="256" r:id="rId2"/>
-    <p:sldId id="257" r:id="rId3"/>
-    <p:sldId id="258" r:id="rId4"/>
+    <p:sldId id="259" r:id="rId3"/>
+    <p:sldId id="260" r:id="rId4"/>
+    <p:sldId id="257" r:id="rId5"/>
+    <p:sldId id="261" r:id="rId6"/>
+    <p:sldId id="258" r:id="rId7"/>
   </p:sldIdLst>
   <p:sldSz cx="9144000" cy="6858000" type="screen4x3"/>
   <p:notesSz cx="6858000" cy="9144000"/>
@@ -290,7 +293,7 @@
           <a:p>
             <a:fld id="{FA8CE739-158E-4606-814D-03672F269E16}" type="datetimeFigureOut">
               <a:rPr lang="ko-KR" altLang="en-US" smtClean="0"/>
-              <a:t>2021-10-12</a:t>
+              <a:t>2021-10-13</a:t>
             </a:fld>
             <a:endParaRPr lang="ko-KR" altLang="en-US"/>
           </a:p>
@@ -460,7 +463,7 @@
           <a:p>
             <a:fld id="{FA8CE739-158E-4606-814D-03672F269E16}" type="datetimeFigureOut">
               <a:rPr lang="ko-KR" altLang="en-US" smtClean="0"/>
-              <a:t>2021-10-12</a:t>
+              <a:t>2021-10-13</a:t>
             </a:fld>
             <a:endParaRPr lang="ko-KR" altLang="en-US"/>
           </a:p>
@@ -640,7 +643,7 @@
           <a:p>
             <a:fld id="{FA8CE739-158E-4606-814D-03672F269E16}" type="datetimeFigureOut">
               <a:rPr lang="ko-KR" altLang="en-US" smtClean="0"/>
-              <a:t>2021-10-12</a:t>
+              <a:t>2021-10-13</a:t>
             </a:fld>
             <a:endParaRPr lang="ko-KR" altLang="en-US"/>
           </a:p>
@@ -810,7 +813,7 @@
           <a:p>
             <a:fld id="{FA8CE739-158E-4606-814D-03672F269E16}" type="datetimeFigureOut">
               <a:rPr lang="ko-KR" altLang="en-US" smtClean="0"/>
-              <a:t>2021-10-12</a:t>
+              <a:t>2021-10-13</a:t>
             </a:fld>
             <a:endParaRPr lang="ko-KR" altLang="en-US"/>
           </a:p>
@@ -1056,7 +1059,7 @@
           <a:p>
             <a:fld id="{FA8CE739-158E-4606-814D-03672F269E16}" type="datetimeFigureOut">
               <a:rPr lang="ko-KR" altLang="en-US" smtClean="0"/>
-              <a:t>2021-10-12</a:t>
+              <a:t>2021-10-13</a:t>
             </a:fld>
             <a:endParaRPr lang="ko-KR" altLang="en-US"/>
           </a:p>
@@ -1344,7 +1347,7 @@
           <a:p>
             <a:fld id="{FA8CE739-158E-4606-814D-03672F269E16}" type="datetimeFigureOut">
               <a:rPr lang="ko-KR" altLang="en-US" smtClean="0"/>
-              <a:t>2021-10-12</a:t>
+              <a:t>2021-10-13</a:t>
             </a:fld>
             <a:endParaRPr lang="ko-KR" altLang="en-US"/>
           </a:p>
@@ -1766,7 +1769,7 @@
           <a:p>
             <a:fld id="{FA8CE739-158E-4606-814D-03672F269E16}" type="datetimeFigureOut">
               <a:rPr lang="ko-KR" altLang="en-US" smtClean="0"/>
-              <a:t>2021-10-12</a:t>
+              <a:t>2021-10-13</a:t>
             </a:fld>
             <a:endParaRPr lang="ko-KR" altLang="en-US"/>
           </a:p>
@@ -1884,7 +1887,7 @@
           <a:p>
             <a:fld id="{FA8CE739-158E-4606-814D-03672F269E16}" type="datetimeFigureOut">
               <a:rPr lang="ko-KR" altLang="en-US" smtClean="0"/>
-              <a:t>2021-10-12</a:t>
+              <a:t>2021-10-13</a:t>
             </a:fld>
             <a:endParaRPr lang="ko-KR" altLang="en-US"/>
           </a:p>
@@ -1979,7 +1982,7 @@
           <a:p>
             <a:fld id="{FA8CE739-158E-4606-814D-03672F269E16}" type="datetimeFigureOut">
               <a:rPr lang="ko-KR" altLang="en-US" smtClean="0"/>
-              <a:t>2021-10-12</a:t>
+              <a:t>2021-10-13</a:t>
             </a:fld>
             <a:endParaRPr lang="ko-KR" altLang="en-US"/>
           </a:p>
@@ -2256,7 +2259,7 @@
           <a:p>
             <a:fld id="{FA8CE739-158E-4606-814D-03672F269E16}" type="datetimeFigureOut">
               <a:rPr lang="ko-KR" altLang="en-US" smtClean="0"/>
-              <a:t>2021-10-12</a:t>
+              <a:t>2021-10-13</a:t>
             </a:fld>
             <a:endParaRPr lang="ko-KR" altLang="en-US"/>
           </a:p>
@@ -2509,7 +2512,7 @@
           <a:p>
             <a:fld id="{FA8CE739-158E-4606-814D-03672F269E16}" type="datetimeFigureOut">
               <a:rPr lang="ko-KR" altLang="en-US" smtClean="0"/>
-              <a:t>2021-10-12</a:t>
+              <a:t>2021-10-13</a:t>
             </a:fld>
             <a:endParaRPr lang="ko-KR" altLang="en-US"/>
           </a:p>
@@ -2722,7 +2725,7 @@
           <a:p>
             <a:fld id="{FA8CE739-158E-4606-814D-03672F269E16}" type="datetimeFigureOut">
               <a:rPr lang="ko-KR" altLang="en-US" smtClean="0"/>
-              <a:t>2021-10-12</a:t>
+              <a:t>2021-10-13</a:t>
             </a:fld>
             <a:endParaRPr lang="ko-KR" altLang="en-US"/>
           </a:p>
@@ -3820,18 +3823,21 @@
       </p:grpSpPr>
       <p:sp>
         <p:nvSpPr>
-          <p:cNvPr id="4" name="직사각형 3"/>
+          <p:cNvPr id="5" name="직사각형 4"/>
           <p:cNvSpPr/>
           <p:nvPr/>
         </p:nvSpPr>
         <p:spPr>
           <a:xfrm>
-            <a:off x="2737623" y="5373216"/>
-            <a:ext cx="3384376" cy="504056"/>
+            <a:off x="1187624" y="188640"/>
+            <a:ext cx="6696744" cy="5040560"/>
           </a:xfrm>
           <a:prstGeom prst="rect">
             <a:avLst/>
           </a:prstGeom>
+          <a:solidFill>
+            <a:schemeClr val="accent2"/>
+          </a:solidFill>
         </p:spPr>
         <p:style>
           <a:lnRef idx="2">
@@ -3856,7 +3862,11 @@
             <a:pPr algn="ctr"/>
             <a:r>
               <a:rPr lang="en-US" altLang="ko-KR" dirty="0" smtClean="0"/>
-              <a:t>HW</a:t>
+              <a:t>World</a:t>
+            </a:r>
+            <a:r>
+              <a:rPr lang="ko-KR" altLang="en-US" dirty="0" err="1" smtClean="0"/>
+              <a:t>ㅂ</a:t>
             </a:r>
             <a:endParaRPr lang="ko-KR" altLang="en-US" dirty="0"/>
           </a:p>
@@ -3864,14 +3874,14 @@
       </p:sp>
       <p:sp>
         <p:nvSpPr>
-          <p:cNvPr id="5" name="직사각형 4"/>
+          <p:cNvPr id="4" name="직사각형 3"/>
           <p:cNvSpPr/>
           <p:nvPr/>
         </p:nvSpPr>
         <p:spPr>
           <a:xfrm>
-            <a:off x="2737623" y="4725144"/>
-            <a:ext cx="3384376" cy="639480"/>
+            <a:off x="1907704" y="836712"/>
+            <a:ext cx="5256584" cy="3960440"/>
           </a:xfrm>
           <a:prstGeom prst="rect">
             <a:avLst/>
@@ -3900,7 +3910,7 @@
             <a:pPr algn="ctr"/>
             <a:r>
               <a:rPr lang="en-US" altLang="ko-KR" dirty="0" smtClean="0"/>
-              <a:t>OS</a:t>
+              <a:t>World</a:t>
             </a:r>
             <a:endParaRPr lang="ko-KR" altLang="en-US" dirty="0"/>
           </a:p>
@@ -3908,14 +3918,44 @@
       </p:sp>
       <p:sp>
         <p:nvSpPr>
-          <p:cNvPr id="8" name="직사각형 7"/>
+          <p:cNvPr id="6" name="TextBox 5"/>
+          <p:cNvSpPr txBox="1"/>
+          <p:nvPr/>
+        </p:nvSpPr>
+        <p:spPr>
+          <a:xfrm>
+            <a:off x="3782962" y="305970"/>
+            <a:ext cx="888385" cy="369332"/>
+          </a:xfrm>
+          <a:prstGeom prst="rect">
+            <a:avLst/>
+          </a:prstGeom>
+          <a:noFill/>
+        </p:spPr>
+        <p:txBody>
+          <a:bodyPr wrap="none" rtlCol="0">
+            <a:spAutoFit/>
+          </a:bodyPr>
+          <a:lstStyle/>
+          <a:p>
+            <a:r>
+              <a:rPr lang="en-US" altLang="ko-KR" dirty="0" smtClean="0"/>
+              <a:t>Engine</a:t>
+            </a:r>
+            <a:endParaRPr lang="ko-KR" altLang="en-US" dirty="0"/>
+          </a:p>
+        </p:txBody>
+      </p:sp>
+      <p:sp>
+        <p:nvSpPr>
+          <p:cNvPr id="21" name="직사각형 20"/>
           <p:cNvSpPr/>
           <p:nvPr/>
         </p:nvSpPr>
         <p:spPr>
           <a:xfrm>
-            <a:off x="4283968" y="1916832"/>
-            <a:ext cx="3384376" cy="639480"/>
+            <a:off x="3455933" y="1058248"/>
+            <a:ext cx="1542442" cy="858584"/>
           </a:xfrm>
           <a:prstGeom prst="rect">
             <a:avLst/>
@@ -3943,8 +3983,697 @@
           <a:p>
             <a:pPr algn="ctr"/>
             <a:r>
-              <a:rPr lang="en-US" altLang="ko-KR" dirty="0" err="1" smtClean="0"/>
-              <a:t>UnrealEngine</a:t>
+              <a:rPr lang="en-US" altLang="ko-KR" dirty="0" smtClean="0"/>
+              <a:t>Actor</a:t>
+            </a:r>
+            <a:endParaRPr lang="ko-KR" altLang="en-US" dirty="0"/>
+          </a:p>
+        </p:txBody>
+      </p:sp>
+      <p:sp>
+        <p:nvSpPr>
+          <p:cNvPr id="22" name="직사각형 21"/>
+          <p:cNvSpPr/>
+          <p:nvPr/>
+        </p:nvSpPr>
+        <p:spPr>
+          <a:xfrm>
+            <a:off x="3608333" y="1210648"/>
+            <a:ext cx="1542442" cy="858584"/>
+          </a:xfrm>
+          <a:prstGeom prst="rect">
+            <a:avLst/>
+          </a:prstGeom>
+        </p:spPr>
+        <p:style>
+          <a:lnRef idx="2">
+            <a:schemeClr val="accent1">
+              <a:shade val="50000"/>
+            </a:schemeClr>
+          </a:lnRef>
+          <a:fillRef idx="1">
+            <a:schemeClr val="accent1"/>
+          </a:fillRef>
+          <a:effectRef idx="0">
+            <a:schemeClr val="accent1"/>
+          </a:effectRef>
+          <a:fontRef idx="minor">
+            <a:schemeClr val="lt1"/>
+          </a:fontRef>
+        </p:style>
+        <p:txBody>
+          <a:bodyPr rtlCol="0" anchor="ctr"/>
+          <a:lstStyle/>
+          <a:p>
+            <a:pPr algn="ctr"/>
+            <a:r>
+              <a:rPr lang="en-US" altLang="ko-KR" dirty="0" smtClean="0"/>
+              <a:t>Actor</a:t>
+            </a:r>
+            <a:endParaRPr lang="ko-KR" altLang="en-US" dirty="0"/>
+          </a:p>
+        </p:txBody>
+      </p:sp>
+      <p:sp>
+        <p:nvSpPr>
+          <p:cNvPr id="23" name="직사각형 22"/>
+          <p:cNvSpPr/>
+          <p:nvPr/>
+        </p:nvSpPr>
+        <p:spPr>
+          <a:xfrm>
+            <a:off x="3760733" y="1363048"/>
+            <a:ext cx="1542442" cy="858584"/>
+          </a:xfrm>
+          <a:prstGeom prst="rect">
+            <a:avLst/>
+          </a:prstGeom>
+        </p:spPr>
+        <p:style>
+          <a:lnRef idx="2">
+            <a:schemeClr val="accent1">
+              <a:shade val="50000"/>
+            </a:schemeClr>
+          </a:lnRef>
+          <a:fillRef idx="1">
+            <a:schemeClr val="accent1"/>
+          </a:fillRef>
+          <a:effectRef idx="0">
+            <a:schemeClr val="accent1"/>
+          </a:effectRef>
+          <a:fontRef idx="minor">
+            <a:schemeClr val="lt1"/>
+          </a:fontRef>
+        </p:style>
+        <p:txBody>
+          <a:bodyPr rtlCol="0" anchor="ctr"/>
+          <a:lstStyle/>
+          <a:p>
+            <a:pPr algn="ctr"/>
+            <a:r>
+              <a:rPr lang="en-US" altLang="ko-KR" dirty="0" smtClean="0"/>
+              <a:t>Actor</a:t>
+            </a:r>
+            <a:endParaRPr lang="ko-KR" altLang="en-US" dirty="0"/>
+          </a:p>
+        </p:txBody>
+      </p:sp>
+      <p:sp>
+        <p:nvSpPr>
+          <p:cNvPr id="24" name="직사각형 23"/>
+          <p:cNvSpPr/>
+          <p:nvPr/>
+        </p:nvSpPr>
+        <p:spPr>
+          <a:xfrm>
+            <a:off x="3913133" y="1515448"/>
+            <a:ext cx="1542442" cy="858584"/>
+          </a:xfrm>
+          <a:prstGeom prst="rect">
+            <a:avLst/>
+          </a:prstGeom>
+        </p:spPr>
+        <p:style>
+          <a:lnRef idx="2">
+            <a:schemeClr val="accent1">
+              <a:shade val="50000"/>
+            </a:schemeClr>
+          </a:lnRef>
+          <a:fillRef idx="1">
+            <a:schemeClr val="accent1"/>
+          </a:fillRef>
+          <a:effectRef idx="0">
+            <a:schemeClr val="accent1"/>
+          </a:effectRef>
+          <a:fontRef idx="minor">
+            <a:schemeClr val="lt1"/>
+          </a:fontRef>
+        </p:style>
+        <p:txBody>
+          <a:bodyPr rtlCol="0" anchor="ctr"/>
+          <a:lstStyle/>
+          <a:p>
+            <a:pPr algn="ctr"/>
+            <a:r>
+              <a:rPr lang="en-US" altLang="ko-KR" dirty="0" smtClean="0"/>
+              <a:t>Actor</a:t>
+            </a:r>
+            <a:endParaRPr lang="ko-KR" altLang="en-US" dirty="0"/>
+          </a:p>
+        </p:txBody>
+      </p:sp>
+      <p:sp>
+        <p:nvSpPr>
+          <p:cNvPr id="25" name="직사각형 24"/>
+          <p:cNvSpPr/>
+          <p:nvPr/>
+        </p:nvSpPr>
+        <p:spPr>
+          <a:xfrm>
+            <a:off x="4065533" y="1667848"/>
+            <a:ext cx="1542442" cy="858584"/>
+          </a:xfrm>
+          <a:prstGeom prst="rect">
+            <a:avLst/>
+          </a:prstGeom>
+        </p:spPr>
+        <p:style>
+          <a:lnRef idx="2">
+            <a:schemeClr val="accent1">
+              <a:shade val="50000"/>
+            </a:schemeClr>
+          </a:lnRef>
+          <a:fillRef idx="1">
+            <a:schemeClr val="accent1"/>
+          </a:fillRef>
+          <a:effectRef idx="0">
+            <a:schemeClr val="accent1"/>
+          </a:effectRef>
+          <a:fontRef idx="minor">
+            <a:schemeClr val="lt1"/>
+          </a:fontRef>
+        </p:style>
+        <p:txBody>
+          <a:bodyPr rtlCol="0" anchor="ctr"/>
+          <a:lstStyle/>
+          <a:p>
+            <a:pPr algn="ctr"/>
+            <a:r>
+              <a:rPr lang="en-US" altLang="ko-KR" dirty="0" smtClean="0"/>
+              <a:t>Actor</a:t>
+            </a:r>
+            <a:endParaRPr lang="ko-KR" altLang="en-US" dirty="0"/>
+          </a:p>
+        </p:txBody>
+      </p:sp>
+      <p:sp>
+        <p:nvSpPr>
+          <p:cNvPr id="26" name="직사각형 25"/>
+          <p:cNvSpPr/>
+          <p:nvPr/>
+        </p:nvSpPr>
+        <p:spPr>
+          <a:xfrm>
+            <a:off x="4217933" y="1820248"/>
+            <a:ext cx="1542442" cy="858584"/>
+          </a:xfrm>
+          <a:prstGeom prst="rect">
+            <a:avLst/>
+          </a:prstGeom>
+        </p:spPr>
+        <p:style>
+          <a:lnRef idx="2">
+            <a:schemeClr val="accent1">
+              <a:shade val="50000"/>
+            </a:schemeClr>
+          </a:lnRef>
+          <a:fillRef idx="1">
+            <a:schemeClr val="accent1"/>
+          </a:fillRef>
+          <a:effectRef idx="0">
+            <a:schemeClr val="accent1"/>
+          </a:effectRef>
+          <a:fontRef idx="minor">
+            <a:schemeClr val="lt1"/>
+          </a:fontRef>
+        </p:style>
+        <p:txBody>
+          <a:bodyPr rtlCol="0" anchor="ctr"/>
+          <a:lstStyle/>
+          <a:p>
+            <a:pPr algn="ctr"/>
+            <a:r>
+              <a:rPr lang="en-US" altLang="ko-KR" dirty="0" smtClean="0"/>
+              <a:t>Actor</a:t>
+            </a:r>
+            <a:endParaRPr lang="ko-KR" altLang="en-US" dirty="0"/>
+          </a:p>
+        </p:txBody>
+      </p:sp>
+      <p:sp>
+        <p:nvSpPr>
+          <p:cNvPr id="27" name="직사각형 26"/>
+          <p:cNvSpPr/>
+          <p:nvPr/>
+        </p:nvSpPr>
+        <p:spPr>
+          <a:xfrm>
+            <a:off x="4370333" y="1972648"/>
+            <a:ext cx="1542442" cy="858584"/>
+          </a:xfrm>
+          <a:prstGeom prst="rect">
+            <a:avLst/>
+          </a:prstGeom>
+        </p:spPr>
+        <p:style>
+          <a:lnRef idx="2">
+            <a:schemeClr val="accent1">
+              <a:shade val="50000"/>
+            </a:schemeClr>
+          </a:lnRef>
+          <a:fillRef idx="1">
+            <a:schemeClr val="accent1"/>
+          </a:fillRef>
+          <a:effectRef idx="0">
+            <a:schemeClr val="accent1"/>
+          </a:effectRef>
+          <a:fontRef idx="minor">
+            <a:schemeClr val="lt1"/>
+          </a:fontRef>
+        </p:style>
+        <p:txBody>
+          <a:bodyPr rtlCol="0" anchor="ctr"/>
+          <a:lstStyle/>
+          <a:p>
+            <a:pPr algn="ctr"/>
+            <a:r>
+              <a:rPr lang="en-US" altLang="ko-KR" dirty="0" smtClean="0"/>
+              <a:t>Actor</a:t>
+            </a:r>
+            <a:endParaRPr lang="ko-KR" altLang="en-US" dirty="0"/>
+          </a:p>
+        </p:txBody>
+      </p:sp>
+      <p:sp>
+        <p:nvSpPr>
+          <p:cNvPr id="28" name="직사각형 27"/>
+          <p:cNvSpPr/>
+          <p:nvPr/>
+        </p:nvSpPr>
+        <p:spPr>
+          <a:xfrm>
+            <a:off x="4522733" y="2125048"/>
+            <a:ext cx="1542442" cy="858584"/>
+          </a:xfrm>
+          <a:prstGeom prst="rect">
+            <a:avLst/>
+          </a:prstGeom>
+        </p:spPr>
+        <p:style>
+          <a:lnRef idx="2">
+            <a:schemeClr val="accent1">
+              <a:shade val="50000"/>
+            </a:schemeClr>
+          </a:lnRef>
+          <a:fillRef idx="1">
+            <a:schemeClr val="accent1"/>
+          </a:fillRef>
+          <a:effectRef idx="0">
+            <a:schemeClr val="accent1"/>
+          </a:effectRef>
+          <a:fontRef idx="minor">
+            <a:schemeClr val="lt1"/>
+          </a:fontRef>
+        </p:style>
+        <p:txBody>
+          <a:bodyPr rtlCol="0" anchor="ctr"/>
+          <a:lstStyle/>
+          <a:p>
+            <a:pPr algn="ctr"/>
+            <a:r>
+              <a:rPr lang="en-US" altLang="ko-KR" dirty="0" smtClean="0"/>
+              <a:t>Actor</a:t>
+            </a:r>
+            <a:endParaRPr lang="ko-KR" altLang="en-US" dirty="0"/>
+          </a:p>
+        </p:txBody>
+      </p:sp>
+      <p:sp>
+        <p:nvSpPr>
+          <p:cNvPr id="29" name="직사각형 28"/>
+          <p:cNvSpPr/>
+          <p:nvPr/>
+        </p:nvSpPr>
+        <p:spPr>
+          <a:xfrm>
+            <a:off x="4675133" y="2277448"/>
+            <a:ext cx="1542442" cy="858584"/>
+          </a:xfrm>
+          <a:prstGeom prst="rect">
+            <a:avLst/>
+          </a:prstGeom>
+        </p:spPr>
+        <p:style>
+          <a:lnRef idx="2">
+            <a:schemeClr val="accent1">
+              <a:shade val="50000"/>
+            </a:schemeClr>
+          </a:lnRef>
+          <a:fillRef idx="1">
+            <a:schemeClr val="accent1"/>
+          </a:fillRef>
+          <a:effectRef idx="0">
+            <a:schemeClr val="accent1"/>
+          </a:effectRef>
+          <a:fontRef idx="minor">
+            <a:schemeClr val="lt1"/>
+          </a:fontRef>
+        </p:style>
+        <p:txBody>
+          <a:bodyPr rtlCol="0" anchor="ctr"/>
+          <a:lstStyle/>
+          <a:p>
+            <a:pPr algn="ctr"/>
+            <a:r>
+              <a:rPr lang="en-US" altLang="ko-KR" dirty="0" smtClean="0"/>
+              <a:t>Player</a:t>
+            </a:r>
+            <a:endParaRPr lang="ko-KR" altLang="en-US" dirty="0"/>
+          </a:p>
+        </p:txBody>
+      </p:sp>
+      <p:sp>
+        <p:nvSpPr>
+          <p:cNvPr id="30" name="직사각형 29"/>
+          <p:cNvSpPr/>
+          <p:nvPr/>
+        </p:nvSpPr>
+        <p:spPr>
+          <a:xfrm>
+            <a:off x="5150775" y="2983632"/>
+            <a:ext cx="1542442" cy="858584"/>
+          </a:xfrm>
+          <a:prstGeom prst="rect">
+            <a:avLst/>
+          </a:prstGeom>
+        </p:spPr>
+        <p:style>
+          <a:lnRef idx="2">
+            <a:schemeClr val="accent1">
+              <a:shade val="50000"/>
+            </a:schemeClr>
+          </a:lnRef>
+          <a:fillRef idx="1">
+            <a:schemeClr val="accent1"/>
+          </a:fillRef>
+          <a:effectRef idx="0">
+            <a:schemeClr val="accent1"/>
+          </a:effectRef>
+          <a:fontRef idx="minor">
+            <a:schemeClr val="lt1"/>
+          </a:fontRef>
+        </p:style>
+        <p:txBody>
+          <a:bodyPr rtlCol="0" anchor="ctr"/>
+          <a:lstStyle/>
+          <a:p>
+            <a:pPr algn="ctr"/>
+            <a:r>
+              <a:rPr lang="en-US" altLang="ko-KR" dirty="0" smtClean="0"/>
+              <a:t>Goal</a:t>
+            </a:r>
+            <a:endParaRPr lang="ko-KR" altLang="en-US" dirty="0"/>
+          </a:p>
+        </p:txBody>
+      </p:sp>
+      <p:sp>
+        <p:nvSpPr>
+          <p:cNvPr id="31" name="직사각형 30"/>
+          <p:cNvSpPr/>
+          <p:nvPr/>
+        </p:nvSpPr>
+        <p:spPr>
+          <a:xfrm>
+            <a:off x="5499951" y="3717032"/>
+            <a:ext cx="1296144" cy="858584"/>
+          </a:xfrm>
+          <a:prstGeom prst="rect">
+            <a:avLst/>
+          </a:prstGeom>
+        </p:spPr>
+        <p:style>
+          <a:lnRef idx="2">
+            <a:schemeClr val="accent1">
+              <a:shade val="50000"/>
+            </a:schemeClr>
+          </a:lnRef>
+          <a:fillRef idx="1">
+            <a:schemeClr val="accent1"/>
+          </a:fillRef>
+          <a:effectRef idx="0">
+            <a:schemeClr val="accent1"/>
+          </a:effectRef>
+          <a:fontRef idx="minor">
+            <a:schemeClr val="lt1"/>
+          </a:fontRef>
+        </p:style>
+        <p:txBody>
+          <a:bodyPr rtlCol="0" anchor="ctr"/>
+          <a:lstStyle/>
+          <a:p>
+            <a:pPr algn="ctr"/>
+            <a:r>
+              <a:rPr lang="en-US" altLang="ko-KR" dirty="0" smtClean="0"/>
+              <a:t>Floor</a:t>
+            </a:r>
+          </a:p>
+        </p:txBody>
+      </p:sp>
+      <p:sp>
+        <p:nvSpPr>
+          <p:cNvPr id="32" name="직사각형 31"/>
+          <p:cNvSpPr/>
+          <p:nvPr/>
+        </p:nvSpPr>
+        <p:spPr>
+          <a:xfrm>
+            <a:off x="4535996" y="4132264"/>
+            <a:ext cx="1296144" cy="858584"/>
+          </a:xfrm>
+          <a:prstGeom prst="rect">
+            <a:avLst/>
+          </a:prstGeom>
+        </p:spPr>
+        <p:style>
+          <a:lnRef idx="2">
+            <a:schemeClr val="accent1">
+              <a:shade val="50000"/>
+            </a:schemeClr>
+          </a:lnRef>
+          <a:fillRef idx="1">
+            <a:schemeClr val="accent1"/>
+          </a:fillRef>
+          <a:effectRef idx="0">
+            <a:schemeClr val="accent1"/>
+          </a:effectRef>
+          <a:fontRef idx="minor">
+            <a:schemeClr val="lt1"/>
+          </a:fontRef>
+        </p:style>
+        <p:txBody>
+          <a:bodyPr rtlCol="0" anchor="ctr"/>
+          <a:lstStyle/>
+          <a:p>
+            <a:pPr algn="ctr"/>
+            <a:r>
+              <a:rPr lang="en-US" altLang="ko-KR" dirty="0" smtClean="0"/>
+              <a:t>Wall</a:t>
+            </a:r>
+            <a:endParaRPr lang="ko-KR" altLang="en-US" dirty="0"/>
+          </a:p>
+        </p:txBody>
+      </p:sp>
+    </p:spTree>
+    <p:extLst>
+      <p:ext uri="{BB962C8B-B14F-4D97-AF65-F5344CB8AC3E}">
+        <p14:creationId xmlns:p14="http://schemas.microsoft.com/office/powerpoint/2010/main" val="718845422"/>
+      </p:ext>
+    </p:extLst>
+  </p:cSld>
+  <p:clrMapOvr>
+    <a:masterClrMapping/>
+  </p:clrMapOvr>
+</p:sld>
+</file>
+
+<file path=ppt/slides/slide3.xml><?xml version="1.0" encoding="utf-8"?>
+<p:sld xmlns:a="http://schemas.openxmlformats.org/drawingml/2006/main" xmlns:r="http://schemas.openxmlformats.org/officeDocument/2006/relationships" xmlns:p="http://schemas.openxmlformats.org/presentationml/2006/main">
+  <p:cSld>
+    <p:spTree>
+      <p:nvGrpSpPr>
+        <p:cNvPr id="1" name=""/>
+        <p:cNvGrpSpPr/>
+        <p:nvPr/>
+      </p:nvGrpSpPr>
+      <p:grpSpPr>
+        <a:xfrm>
+          <a:off x="0" y="0"/>
+          <a:ext cx="0" cy="0"/>
+          <a:chOff x="0" y="0"/>
+          <a:chExt cx="0" cy="0"/>
+        </a:xfrm>
+      </p:grpSpPr>
+      <p:sp>
+        <p:nvSpPr>
+          <p:cNvPr id="4" name="직사각형 3"/>
+          <p:cNvSpPr/>
+          <p:nvPr/>
+        </p:nvSpPr>
+        <p:spPr>
+          <a:xfrm>
+            <a:off x="4427984" y="1124744"/>
+            <a:ext cx="1296144" cy="858584"/>
+          </a:xfrm>
+          <a:prstGeom prst="rect">
+            <a:avLst/>
+          </a:prstGeom>
+        </p:spPr>
+        <p:style>
+          <a:lnRef idx="2">
+            <a:schemeClr val="accent1">
+              <a:shade val="50000"/>
+            </a:schemeClr>
+          </a:lnRef>
+          <a:fillRef idx="1">
+            <a:schemeClr val="accent1"/>
+          </a:fillRef>
+          <a:effectRef idx="0">
+            <a:schemeClr val="accent1"/>
+          </a:effectRef>
+          <a:fontRef idx="minor">
+            <a:schemeClr val="lt1"/>
+          </a:fontRef>
+        </p:style>
+        <p:txBody>
+          <a:bodyPr rtlCol="0" anchor="ctr"/>
+          <a:lstStyle/>
+          <a:p>
+            <a:pPr algn="ctr"/>
+            <a:r>
+              <a:rPr lang="en-US" altLang="ko-KR" dirty="0" smtClean="0"/>
+              <a:t>Actor</a:t>
+            </a:r>
+            <a:endParaRPr lang="ko-KR" altLang="en-US" dirty="0"/>
+          </a:p>
+        </p:txBody>
+      </p:sp>
+      <p:sp>
+        <p:nvSpPr>
+          <p:cNvPr id="5" name="직사각형 4"/>
+          <p:cNvSpPr/>
+          <p:nvPr/>
+        </p:nvSpPr>
+        <p:spPr>
+          <a:xfrm>
+            <a:off x="4580384" y="3356992"/>
+            <a:ext cx="1296144" cy="858584"/>
+          </a:xfrm>
+          <a:prstGeom prst="rect">
+            <a:avLst/>
+          </a:prstGeom>
+        </p:spPr>
+        <p:style>
+          <a:lnRef idx="2">
+            <a:schemeClr val="accent1">
+              <a:shade val="50000"/>
+            </a:schemeClr>
+          </a:lnRef>
+          <a:fillRef idx="1">
+            <a:schemeClr val="accent1"/>
+          </a:fillRef>
+          <a:effectRef idx="0">
+            <a:schemeClr val="accent1"/>
+          </a:effectRef>
+          <a:fontRef idx="minor">
+            <a:schemeClr val="lt1"/>
+          </a:fontRef>
+        </p:style>
+        <p:txBody>
+          <a:bodyPr rtlCol="0" anchor="ctr"/>
+          <a:lstStyle/>
+          <a:p>
+            <a:pPr algn="ctr"/>
+            <a:r>
+              <a:rPr lang="en-US" altLang="ko-KR" dirty="0" smtClean="0"/>
+              <a:t>Actor - Render</a:t>
+            </a:r>
+            <a:endParaRPr lang="ko-KR" altLang="en-US" dirty="0"/>
+          </a:p>
+        </p:txBody>
+      </p:sp>
+      <p:sp>
+        <p:nvSpPr>
+          <p:cNvPr id="6" name="직사각형 5"/>
+          <p:cNvSpPr/>
+          <p:nvPr/>
+        </p:nvSpPr>
+        <p:spPr>
+          <a:xfrm>
+            <a:off x="5868144" y="3356992"/>
+            <a:ext cx="1296144" cy="858584"/>
+          </a:xfrm>
+          <a:prstGeom prst="rect">
+            <a:avLst/>
+          </a:prstGeom>
+        </p:spPr>
+        <p:style>
+          <a:lnRef idx="2">
+            <a:schemeClr val="accent1">
+              <a:shade val="50000"/>
+            </a:schemeClr>
+          </a:lnRef>
+          <a:fillRef idx="1">
+            <a:schemeClr val="accent1"/>
+          </a:fillRef>
+          <a:effectRef idx="0">
+            <a:schemeClr val="accent1"/>
+          </a:effectRef>
+          <a:fontRef idx="minor">
+            <a:schemeClr val="lt1"/>
+          </a:fontRef>
+        </p:style>
+        <p:txBody>
+          <a:bodyPr rtlCol="0" anchor="ctr"/>
+          <a:lstStyle/>
+          <a:p>
+            <a:pPr algn="ctr"/>
+            <a:r>
+              <a:rPr lang="en-US" altLang="ko-KR" dirty="0" smtClean="0"/>
+              <a:t>Player  -Render</a:t>
+            </a:r>
+            <a:endParaRPr lang="ko-KR" altLang="en-US" dirty="0"/>
+          </a:p>
+        </p:txBody>
+      </p:sp>
+      <p:sp>
+        <p:nvSpPr>
+          <p:cNvPr id="8" name="직사각형 7"/>
+          <p:cNvSpPr/>
+          <p:nvPr/>
+        </p:nvSpPr>
+        <p:spPr>
+          <a:xfrm>
+            <a:off x="4580384" y="4581128"/>
+            <a:ext cx="1296144" cy="858584"/>
+          </a:xfrm>
+          <a:prstGeom prst="rect">
+            <a:avLst/>
+          </a:prstGeom>
+        </p:spPr>
+        <p:style>
+          <a:lnRef idx="2">
+            <a:schemeClr val="accent1">
+              <a:shade val="50000"/>
+            </a:schemeClr>
+          </a:lnRef>
+          <a:fillRef idx="1">
+            <a:schemeClr val="accent1"/>
+          </a:fillRef>
+          <a:effectRef idx="0">
+            <a:schemeClr val="accent1"/>
+          </a:effectRef>
+          <a:fontRef idx="minor">
+            <a:schemeClr val="lt1"/>
+          </a:fontRef>
+        </p:style>
+        <p:txBody>
+          <a:bodyPr rtlCol="0" anchor="ctr"/>
+          <a:lstStyle/>
+          <a:p>
+            <a:pPr algn="ctr"/>
+            <a:r>
+              <a:rPr lang="en-US" altLang="ko-KR" dirty="0" smtClean="0"/>
+              <a:t>Actor - Render</a:t>
             </a:r>
             <a:endParaRPr lang="ko-KR" altLang="en-US" dirty="0"/>
           </a:p>
@@ -3958,7 +4687,345 @@
         </p:nvSpPr>
         <p:spPr>
           <a:xfrm>
-            <a:off x="2591780" y="620688"/>
+            <a:off x="5868144" y="4581128"/>
+            <a:ext cx="1296144" cy="858584"/>
+          </a:xfrm>
+          <a:prstGeom prst="rect">
+            <a:avLst/>
+          </a:prstGeom>
+        </p:spPr>
+        <p:style>
+          <a:lnRef idx="2">
+            <a:schemeClr val="accent1">
+              <a:shade val="50000"/>
+            </a:schemeClr>
+          </a:lnRef>
+          <a:fillRef idx="1">
+            <a:schemeClr val="accent1"/>
+          </a:fillRef>
+          <a:effectRef idx="0">
+            <a:schemeClr val="accent1"/>
+          </a:effectRef>
+          <a:fontRef idx="minor">
+            <a:schemeClr val="lt1"/>
+          </a:fontRef>
+        </p:style>
+        <p:txBody>
+          <a:bodyPr rtlCol="0" anchor="ctr"/>
+          <a:lstStyle/>
+          <a:p>
+            <a:pPr algn="ctr"/>
+            <a:r>
+              <a:rPr lang="en-US" altLang="ko-KR" dirty="0" smtClean="0"/>
+              <a:t>Wall -Render</a:t>
+            </a:r>
+            <a:endParaRPr lang="ko-KR" altLang="en-US" dirty="0"/>
+          </a:p>
+        </p:txBody>
+      </p:sp>
+      <p:sp>
+        <p:nvSpPr>
+          <p:cNvPr id="10" name="직사각형 9"/>
+          <p:cNvSpPr/>
+          <p:nvPr/>
+        </p:nvSpPr>
+        <p:spPr>
+          <a:xfrm>
+            <a:off x="827584" y="3078541"/>
+            <a:ext cx="1296144" cy="858584"/>
+          </a:xfrm>
+          <a:prstGeom prst="rect">
+            <a:avLst/>
+          </a:prstGeom>
+        </p:spPr>
+        <p:style>
+          <a:lnRef idx="2">
+            <a:schemeClr val="accent1">
+              <a:shade val="50000"/>
+            </a:schemeClr>
+          </a:lnRef>
+          <a:fillRef idx="1">
+            <a:schemeClr val="accent1"/>
+          </a:fillRef>
+          <a:effectRef idx="0">
+            <a:schemeClr val="accent1"/>
+          </a:effectRef>
+          <a:fontRef idx="minor">
+            <a:schemeClr val="lt1"/>
+          </a:fontRef>
+        </p:style>
+        <p:txBody>
+          <a:bodyPr rtlCol="0" anchor="ctr"/>
+          <a:lstStyle/>
+          <a:p>
+            <a:pPr algn="ctr"/>
+            <a:r>
+              <a:rPr lang="en-US" altLang="ko-KR" dirty="0" smtClean="0"/>
+              <a:t>Actor - Render</a:t>
+            </a:r>
+            <a:endParaRPr lang="ko-KR" altLang="en-US" dirty="0"/>
+          </a:p>
+        </p:txBody>
+      </p:sp>
+      <p:sp>
+        <p:nvSpPr>
+          <p:cNvPr id="11" name="직사각형 10"/>
+          <p:cNvSpPr/>
+          <p:nvPr/>
+        </p:nvSpPr>
+        <p:spPr>
+          <a:xfrm>
+            <a:off x="2120349" y="3078541"/>
+            <a:ext cx="1296144" cy="858584"/>
+          </a:xfrm>
+          <a:prstGeom prst="rect">
+            <a:avLst/>
+          </a:prstGeom>
+        </p:spPr>
+        <p:style>
+          <a:lnRef idx="2">
+            <a:schemeClr val="accent1">
+              <a:shade val="50000"/>
+            </a:schemeClr>
+          </a:lnRef>
+          <a:fillRef idx="1">
+            <a:schemeClr val="accent1"/>
+          </a:fillRef>
+          <a:effectRef idx="0">
+            <a:schemeClr val="accent1"/>
+          </a:effectRef>
+          <a:fontRef idx="minor">
+            <a:schemeClr val="lt1"/>
+          </a:fontRef>
+        </p:style>
+        <p:txBody>
+          <a:bodyPr rtlCol="0" anchor="ctr"/>
+          <a:lstStyle/>
+          <a:p>
+            <a:pPr algn="ctr"/>
+            <a:r>
+              <a:rPr lang="en-US" altLang="ko-KR" dirty="0" smtClean="0"/>
+              <a:t>Player  -Render</a:t>
+            </a:r>
+            <a:endParaRPr lang="ko-KR" altLang="en-US" dirty="0"/>
+          </a:p>
+        </p:txBody>
+      </p:sp>
+      <p:sp>
+        <p:nvSpPr>
+          <p:cNvPr id="12" name="직사각형 11"/>
+          <p:cNvSpPr/>
+          <p:nvPr/>
+        </p:nvSpPr>
+        <p:spPr>
+          <a:xfrm>
+            <a:off x="3414433" y="3078541"/>
+            <a:ext cx="1296144" cy="858584"/>
+          </a:xfrm>
+          <a:prstGeom prst="rect">
+            <a:avLst/>
+          </a:prstGeom>
+        </p:spPr>
+        <p:style>
+          <a:lnRef idx="2">
+            <a:schemeClr val="accent1">
+              <a:shade val="50000"/>
+            </a:schemeClr>
+          </a:lnRef>
+          <a:fillRef idx="1">
+            <a:schemeClr val="accent1"/>
+          </a:fillRef>
+          <a:effectRef idx="0">
+            <a:schemeClr val="accent1"/>
+          </a:effectRef>
+          <a:fontRef idx="minor">
+            <a:schemeClr val="lt1"/>
+          </a:fontRef>
+        </p:style>
+        <p:txBody>
+          <a:bodyPr rtlCol="0" anchor="ctr"/>
+          <a:lstStyle/>
+          <a:p>
+            <a:pPr algn="ctr"/>
+            <a:r>
+              <a:rPr lang="en-US" altLang="ko-KR" dirty="0" smtClean="0"/>
+              <a:t>NPC -Render</a:t>
+            </a:r>
+            <a:endParaRPr lang="ko-KR" altLang="en-US" dirty="0"/>
+          </a:p>
+        </p:txBody>
+      </p:sp>
+    </p:spTree>
+    <p:extLst>
+      <p:ext uri="{BB962C8B-B14F-4D97-AF65-F5344CB8AC3E}">
+        <p14:creationId xmlns:p14="http://schemas.microsoft.com/office/powerpoint/2010/main" val="1000185969"/>
+      </p:ext>
+    </p:extLst>
+  </p:cSld>
+  <p:clrMapOvr>
+    <a:masterClrMapping/>
+  </p:clrMapOvr>
+</p:sld>
+</file>
+
+<file path=ppt/slides/slide4.xml><?xml version="1.0" encoding="utf-8"?>
+<p:sld xmlns:a="http://schemas.openxmlformats.org/drawingml/2006/main" xmlns:r="http://schemas.openxmlformats.org/officeDocument/2006/relationships" xmlns:p="http://schemas.openxmlformats.org/presentationml/2006/main">
+  <p:cSld>
+    <p:spTree>
+      <p:nvGrpSpPr>
+        <p:cNvPr id="1" name=""/>
+        <p:cNvGrpSpPr/>
+        <p:nvPr/>
+      </p:nvGrpSpPr>
+      <p:grpSpPr>
+        <a:xfrm>
+          <a:off x="0" y="0"/>
+          <a:ext cx="0" cy="0"/>
+          <a:chOff x="0" y="0"/>
+          <a:chExt cx="0" cy="0"/>
+        </a:xfrm>
+      </p:grpSpPr>
+      <p:sp>
+        <p:nvSpPr>
+          <p:cNvPr id="4" name="직사각형 3"/>
+          <p:cNvSpPr/>
+          <p:nvPr/>
+        </p:nvSpPr>
+        <p:spPr>
+          <a:xfrm>
+            <a:off x="2737623" y="5373216"/>
+            <a:ext cx="3384376" cy="504056"/>
+          </a:xfrm>
+          <a:prstGeom prst="rect">
+            <a:avLst/>
+          </a:prstGeom>
+        </p:spPr>
+        <p:style>
+          <a:lnRef idx="2">
+            <a:schemeClr val="accent1">
+              <a:shade val="50000"/>
+            </a:schemeClr>
+          </a:lnRef>
+          <a:fillRef idx="1">
+            <a:schemeClr val="accent1"/>
+          </a:fillRef>
+          <a:effectRef idx="0">
+            <a:schemeClr val="accent1"/>
+          </a:effectRef>
+          <a:fontRef idx="minor">
+            <a:schemeClr val="lt1"/>
+          </a:fontRef>
+        </p:style>
+        <p:txBody>
+          <a:bodyPr rtlCol="0" anchor="ctr"/>
+          <a:lstStyle/>
+          <a:p>
+            <a:pPr algn="ctr"/>
+            <a:r>
+              <a:rPr lang="en-US" altLang="ko-KR" dirty="0" smtClean="0"/>
+              <a:t>HW</a:t>
+            </a:r>
+            <a:endParaRPr lang="ko-KR" altLang="en-US" dirty="0"/>
+          </a:p>
+        </p:txBody>
+      </p:sp>
+      <p:sp>
+        <p:nvSpPr>
+          <p:cNvPr id="5" name="직사각형 4"/>
+          <p:cNvSpPr/>
+          <p:nvPr/>
+        </p:nvSpPr>
+        <p:spPr>
+          <a:xfrm>
+            <a:off x="2737623" y="4725144"/>
+            <a:ext cx="3384376" cy="639480"/>
+          </a:xfrm>
+          <a:prstGeom prst="rect">
+            <a:avLst/>
+          </a:prstGeom>
+        </p:spPr>
+        <p:style>
+          <a:lnRef idx="2">
+            <a:schemeClr val="accent1">
+              <a:shade val="50000"/>
+            </a:schemeClr>
+          </a:lnRef>
+          <a:fillRef idx="1">
+            <a:schemeClr val="accent1"/>
+          </a:fillRef>
+          <a:effectRef idx="0">
+            <a:schemeClr val="accent1"/>
+          </a:effectRef>
+          <a:fontRef idx="minor">
+            <a:schemeClr val="lt1"/>
+          </a:fontRef>
+        </p:style>
+        <p:txBody>
+          <a:bodyPr rtlCol="0" anchor="ctr"/>
+          <a:lstStyle/>
+          <a:p>
+            <a:pPr algn="ctr"/>
+            <a:r>
+              <a:rPr lang="en-US" altLang="ko-KR" dirty="0" smtClean="0"/>
+              <a:t>OS</a:t>
+            </a:r>
+            <a:endParaRPr lang="ko-KR" altLang="en-US" dirty="0"/>
+          </a:p>
+        </p:txBody>
+      </p:sp>
+      <p:sp>
+        <p:nvSpPr>
+          <p:cNvPr id="8" name="직사각형 7"/>
+          <p:cNvSpPr/>
+          <p:nvPr/>
+        </p:nvSpPr>
+        <p:spPr>
+          <a:xfrm>
+            <a:off x="2737623" y="4112375"/>
+            <a:ext cx="3384376" cy="639480"/>
+          </a:xfrm>
+          <a:prstGeom prst="rect">
+            <a:avLst/>
+          </a:prstGeom>
+        </p:spPr>
+        <p:style>
+          <a:lnRef idx="2">
+            <a:schemeClr val="accent1">
+              <a:shade val="50000"/>
+            </a:schemeClr>
+          </a:lnRef>
+          <a:fillRef idx="1">
+            <a:schemeClr val="accent1"/>
+          </a:fillRef>
+          <a:effectRef idx="0">
+            <a:schemeClr val="accent1"/>
+          </a:effectRef>
+          <a:fontRef idx="minor">
+            <a:schemeClr val="lt1"/>
+          </a:fontRef>
+        </p:style>
+        <p:txBody>
+          <a:bodyPr rtlCol="0" anchor="ctr"/>
+          <a:lstStyle/>
+          <a:p>
+            <a:pPr algn="ctr"/>
+            <a:r>
+              <a:rPr lang="en-US" altLang="ko-KR" dirty="0" err="1" smtClean="0"/>
+              <a:t>UnrealEngine</a:t>
+            </a:r>
+            <a:endParaRPr lang="ko-KR" altLang="en-US" dirty="0"/>
+          </a:p>
+        </p:txBody>
+      </p:sp>
+      <p:sp>
+        <p:nvSpPr>
+          <p:cNvPr id="9" name="직사각형 8"/>
+          <p:cNvSpPr/>
+          <p:nvPr/>
+        </p:nvSpPr>
+        <p:spPr>
+          <a:xfrm>
+            <a:off x="2737623" y="3472895"/>
             <a:ext cx="3384376" cy="639480"/>
           </a:xfrm>
           <a:prstGeom prst="rect">
@@ -4019,7 +5086,477 @@
 </p:sld>
 </file>
 
-<file path=ppt/slides/slide3.xml><?xml version="1.0" encoding="utf-8"?>
+<file path=ppt/slides/slide5.xml><?xml version="1.0" encoding="utf-8"?>
+<p:sld xmlns:a="http://schemas.openxmlformats.org/drawingml/2006/main" xmlns:r="http://schemas.openxmlformats.org/officeDocument/2006/relationships" xmlns:p="http://schemas.openxmlformats.org/presentationml/2006/main">
+  <p:cSld>
+    <p:spTree>
+      <p:nvGrpSpPr>
+        <p:cNvPr id="1" name=""/>
+        <p:cNvGrpSpPr/>
+        <p:nvPr/>
+      </p:nvGrpSpPr>
+      <p:grpSpPr>
+        <a:xfrm>
+          <a:off x="0" y="0"/>
+          <a:ext cx="0" cy="0"/>
+          <a:chOff x="0" y="0"/>
+          <a:chExt cx="0" cy="0"/>
+        </a:xfrm>
+      </p:grpSpPr>
+      <p:sp>
+        <p:nvSpPr>
+          <p:cNvPr id="4" name="직사각형 3"/>
+          <p:cNvSpPr/>
+          <p:nvPr/>
+        </p:nvSpPr>
+        <p:spPr>
+          <a:xfrm>
+            <a:off x="4067944" y="980728"/>
+            <a:ext cx="1542442" cy="858584"/>
+          </a:xfrm>
+          <a:prstGeom prst="rect">
+            <a:avLst/>
+          </a:prstGeom>
+        </p:spPr>
+        <p:style>
+          <a:lnRef idx="2">
+            <a:schemeClr val="accent1">
+              <a:shade val="50000"/>
+            </a:schemeClr>
+          </a:lnRef>
+          <a:fillRef idx="1">
+            <a:schemeClr val="accent1"/>
+          </a:fillRef>
+          <a:effectRef idx="0">
+            <a:schemeClr val="accent1"/>
+          </a:effectRef>
+          <a:fontRef idx="minor">
+            <a:schemeClr val="lt1"/>
+          </a:fontRef>
+        </p:style>
+        <p:txBody>
+          <a:bodyPr rtlCol="0" anchor="ctr"/>
+          <a:lstStyle/>
+          <a:p>
+            <a:pPr algn="ctr"/>
+            <a:r>
+              <a:rPr lang="en-US" altLang="ko-KR" dirty="0" smtClean="0"/>
+              <a:t>Character</a:t>
+            </a:r>
+            <a:endParaRPr lang="ko-KR" altLang="en-US" dirty="0"/>
+          </a:p>
+        </p:txBody>
+      </p:sp>
+      <p:sp>
+        <p:nvSpPr>
+          <p:cNvPr id="5" name="직사각형 4"/>
+          <p:cNvSpPr/>
+          <p:nvPr/>
+        </p:nvSpPr>
+        <p:spPr>
+          <a:xfrm>
+            <a:off x="2915816" y="2276872"/>
+            <a:ext cx="1542442" cy="858584"/>
+          </a:xfrm>
+          <a:prstGeom prst="rect">
+            <a:avLst/>
+          </a:prstGeom>
+        </p:spPr>
+        <p:style>
+          <a:lnRef idx="2">
+            <a:schemeClr val="accent1">
+              <a:shade val="50000"/>
+            </a:schemeClr>
+          </a:lnRef>
+          <a:fillRef idx="1">
+            <a:schemeClr val="accent1"/>
+          </a:fillRef>
+          <a:effectRef idx="0">
+            <a:schemeClr val="accent1"/>
+          </a:effectRef>
+          <a:fontRef idx="minor">
+            <a:schemeClr val="lt1"/>
+          </a:fontRef>
+        </p:style>
+        <p:txBody>
+          <a:bodyPr rtlCol="0" anchor="ctr"/>
+          <a:lstStyle/>
+          <a:p>
+            <a:pPr algn="ctr"/>
+            <a:r>
+              <a:rPr lang="en-US" altLang="ko-KR" dirty="0" smtClean="0"/>
+              <a:t>Player</a:t>
+            </a:r>
+            <a:endParaRPr lang="ko-KR" altLang="en-US" dirty="0"/>
+          </a:p>
+        </p:txBody>
+      </p:sp>
+      <p:sp>
+        <p:nvSpPr>
+          <p:cNvPr id="6" name="직사각형 5"/>
+          <p:cNvSpPr/>
+          <p:nvPr/>
+        </p:nvSpPr>
+        <p:spPr>
+          <a:xfrm>
+            <a:off x="5076056" y="2276872"/>
+            <a:ext cx="1542442" cy="858584"/>
+          </a:xfrm>
+          <a:prstGeom prst="rect">
+            <a:avLst/>
+          </a:prstGeom>
+        </p:spPr>
+        <p:style>
+          <a:lnRef idx="2">
+            <a:schemeClr val="accent1">
+              <a:shade val="50000"/>
+            </a:schemeClr>
+          </a:lnRef>
+          <a:fillRef idx="1">
+            <a:schemeClr val="accent1"/>
+          </a:fillRef>
+          <a:effectRef idx="0">
+            <a:schemeClr val="accent1"/>
+          </a:effectRef>
+          <a:fontRef idx="minor">
+            <a:schemeClr val="lt1"/>
+          </a:fontRef>
+        </p:style>
+        <p:txBody>
+          <a:bodyPr rtlCol="0" anchor="ctr"/>
+          <a:lstStyle/>
+          <a:p>
+            <a:pPr algn="ctr"/>
+            <a:r>
+              <a:rPr lang="en-US" altLang="ko-KR" dirty="0" smtClean="0"/>
+              <a:t>Monster</a:t>
+            </a:r>
+            <a:endParaRPr lang="ko-KR" altLang="en-US" dirty="0"/>
+          </a:p>
+        </p:txBody>
+      </p:sp>
+      <p:sp>
+        <p:nvSpPr>
+          <p:cNvPr id="7" name="직사각형 6"/>
+          <p:cNvSpPr/>
+          <p:nvPr/>
+        </p:nvSpPr>
+        <p:spPr>
+          <a:xfrm>
+            <a:off x="4458258" y="3645024"/>
+            <a:ext cx="1542442" cy="858584"/>
+          </a:xfrm>
+          <a:prstGeom prst="rect">
+            <a:avLst/>
+          </a:prstGeom>
+        </p:spPr>
+        <p:style>
+          <a:lnRef idx="2">
+            <a:schemeClr val="accent1">
+              <a:shade val="50000"/>
+            </a:schemeClr>
+          </a:lnRef>
+          <a:fillRef idx="1">
+            <a:schemeClr val="accent1"/>
+          </a:fillRef>
+          <a:effectRef idx="0">
+            <a:schemeClr val="accent1"/>
+          </a:effectRef>
+          <a:fontRef idx="minor">
+            <a:schemeClr val="lt1"/>
+          </a:fontRef>
+        </p:style>
+        <p:txBody>
+          <a:bodyPr rtlCol="0" anchor="ctr"/>
+          <a:lstStyle/>
+          <a:p>
+            <a:pPr algn="ctr"/>
+            <a:r>
+              <a:rPr lang="en-US" altLang="ko-KR" dirty="0" smtClean="0"/>
+              <a:t>Goblin</a:t>
+            </a:r>
+            <a:endParaRPr lang="ko-KR" altLang="en-US" dirty="0"/>
+          </a:p>
+        </p:txBody>
+      </p:sp>
+      <p:sp>
+        <p:nvSpPr>
+          <p:cNvPr id="8" name="직사각형 7"/>
+          <p:cNvSpPr/>
+          <p:nvPr/>
+        </p:nvSpPr>
+        <p:spPr>
+          <a:xfrm>
+            <a:off x="6202815" y="3645024"/>
+            <a:ext cx="1542442" cy="858584"/>
+          </a:xfrm>
+          <a:prstGeom prst="rect">
+            <a:avLst/>
+          </a:prstGeom>
+        </p:spPr>
+        <p:style>
+          <a:lnRef idx="2">
+            <a:schemeClr val="accent1">
+              <a:shade val="50000"/>
+            </a:schemeClr>
+          </a:lnRef>
+          <a:fillRef idx="1">
+            <a:schemeClr val="accent1"/>
+          </a:fillRef>
+          <a:effectRef idx="0">
+            <a:schemeClr val="accent1"/>
+          </a:effectRef>
+          <a:fontRef idx="minor">
+            <a:schemeClr val="lt1"/>
+          </a:fontRef>
+        </p:style>
+        <p:txBody>
+          <a:bodyPr rtlCol="0" anchor="ctr"/>
+          <a:lstStyle/>
+          <a:p>
+            <a:pPr algn="ctr"/>
+            <a:r>
+              <a:rPr lang="en-US" altLang="ko-KR" dirty="0" smtClean="0"/>
+              <a:t>Hog</a:t>
+            </a:r>
+            <a:endParaRPr lang="ko-KR" altLang="en-US" dirty="0"/>
+          </a:p>
+        </p:txBody>
+      </p:sp>
+      <p:sp>
+        <p:nvSpPr>
+          <p:cNvPr id="9" name="직사각형 8"/>
+          <p:cNvSpPr/>
+          <p:nvPr/>
+        </p:nvSpPr>
+        <p:spPr>
+          <a:xfrm>
+            <a:off x="7884368" y="3645024"/>
+            <a:ext cx="1542442" cy="858584"/>
+          </a:xfrm>
+          <a:prstGeom prst="rect">
+            <a:avLst/>
+          </a:prstGeom>
+        </p:spPr>
+        <p:style>
+          <a:lnRef idx="2">
+            <a:schemeClr val="accent1">
+              <a:shade val="50000"/>
+            </a:schemeClr>
+          </a:lnRef>
+          <a:fillRef idx="1">
+            <a:schemeClr val="accent1"/>
+          </a:fillRef>
+          <a:effectRef idx="0">
+            <a:schemeClr val="accent1"/>
+          </a:effectRef>
+          <a:fontRef idx="minor">
+            <a:schemeClr val="lt1"/>
+          </a:fontRef>
+        </p:style>
+        <p:txBody>
+          <a:bodyPr rtlCol="0" anchor="ctr"/>
+          <a:lstStyle/>
+          <a:p>
+            <a:pPr algn="ctr"/>
+            <a:r>
+              <a:rPr lang="en-US" altLang="ko-KR" dirty="0" smtClean="0"/>
+              <a:t>Slime</a:t>
+            </a:r>
+            <a:endParaRPr lang="ko-KR" altLang="en-US" dirty="0"/>
+          </a:p>
+        </p:txBody>
+      </p:sp>
+      <p:cxnSp>
+        <p:nvCxnSpPr>
+          <p:cNvPr id="11" name="직선 화살표 연결선 10"/>
+          <p:cNvCxnSpPr>
+            <a:stCxn id="4" idx="2"/>
+            <a:endCxn id="5" idx="0"/>
+          </p:cNvCxnSpPr>
+          <p:nvPr/>
+        </p:nvCxnSpPr>
+        <p:spPr>
+          <a:xfrm flipH="1">
+            <a:off x="3687037" y="1839312"/>
+            <a:ext cx="1152128" cy="437560"/>
+          </a:xfrm>
+          <a:prstGeom prst="straightConnector1">
+            <a:avLst/>
+          </a:prstGeom>
+          <a:ln>
+            <a:tailEnd type="arrow"/>
+          </a:ln>
+        </p:spPr>
+        <p:style>
+          <a:lnRef idx="1">
+            <a:schemeClr val="accent1"/>
+          </a:lnRef>
+          <a:fillRef idx="0">
+            <a:schemeClr val="accent1"/>
+          </a:fillRef>
+          <a:effectRef idx="0">
+            <a:schemeClr val="accent1"/>
+          </a:effectRef>
+          <a:fontRef idx="minor">
+            <a:schemeClr val="tx1"/>
+          </a:fontRef>
+        </p:style>
+      </p:cxnSp>
+      <p:cxnSp>
+        <p:nvCxnSpPr>
+          <p:cNvPr id="13" name="직선 화살표 연결선 12"/>
+          <p:cNvCxnSpPr>
+            <a:stCxn id="4" idx="2"/>
+            <a:endCxn id="6" idx="0"/>
+          </p:cNvCxnSpPr>
+          <p:nvPr/>
+        </p:nvCxnSpPr>
+        <p:spPr>
+          <a:xfrm>
+            <a:off x="4839165" y="1839312"/>
+            <a:ext cx="1008112" cy="437560"/>
+          </a:xfrm>
+          <a:prstGeom prst="straightConnector1">
+            <a:avLst/>
+          </a:prstGeom>
+          <a:ln>
+            <a:tailEnd type="arrow"/>
+          </a:ln>
+        </p:spPr>
+        <p:style>
+          <a:lnRef idx="1">
+            <a:schemeClr val="accent1"/>
+          </a:lnRef>
+          <a:fillRef idx="0">
+            <a:schemeClr val="accent1"/>
+          </a:fillRef>
+          <a:effectRef idx="0">
+            <a:schemeClr val="accent1"/>
+          </a:effectRef>
+          <a:fontRef idx="minor">
+            <a:schemeClr val="tx1"/>
+          </a:fontRef>
+        </p:style>
+      </p:cxnSp>
+      <p:cxnSp>
+        <p:nvCxnSpPr>
+          <p:cNvPr id="15" name="직선 화살표 연결선 14"/>
+          <p:cNvCxnSpPr>
+            <a:stCxn id="6" idx="2"/>
+            <a:endCxn id="7" idx="0"/>
+          </p:cNvCxnSpPr>
+          <p:nvPr/>
+        </p:nvCxnSpPr>
+        <p:spPr>
+          <a:xfrm flipH="1">
+            <a:off x="5229479" y="3135456"/>
+            <a:ext cx="617798" cy="509568"/>
+          </a:xfrm>
+          <a:prstGeom prst="straightConnector1">
+            <a:avLst/>
+          </a:prstGeom>
+          <a:ln>
+            <a:tailEnd type="arrow"/>
+          </a:ln>
+        </p:spPr>
+        <p:style>
+          <a:lnRef idx="1">
+            <a:schemeClr val="accent1"/>
+          </a:lnRef>
+          <a:fillRef idx="0">
+            <a:schemeClr val="accent1"/>
+          </a:fillRef>
+          <a:effectRef idx="0">
+            <a:schemeClr val="accent1"/>
+          </a:effectRef>
+          <a:fontRef idx="minor">
+            <a:schemeClr val="tx1"/>
+          </a:fontRef>
+        </p:style>
+      </p:cxnSp>
+      <p:cxnSp>
+        <p:nvCxnSpPr>
+          <p:cNvPr id="17" name="직선 화살표 연결선 16"/>
+          <p:cNvCxnSpPr/>
+          <p:nvPr/>
+        </p:nvCxnSpPr>
+        <p:spPr>
+          <a:xfrm>
+            <a:off x="6000700" y="3135456"/>
+            <a:ext cx="1091580" cy="509568"/>
+          </a:xfrm>
+          <a:prstGeom prst="straightConnector1">
+            <a:avLst/>
+          </a:prstGeom>
+          <a:ln>
+            <a:tailEnd type="arrow"/>
+          </a:ln>
+        </p:spPr>
+        <p:style>
+          <a:lnRef idx="1">
+            <a:schemeClr val="accent1"/>
+          </a:lnRef>
+          <a:fillRef idx="0">
+            <a:schemeClr val="accent1"/>
+          </a:fillRef>
+          <a:effectRef idx="0">
+            <a:schemeClr val="accent1"/>
+          </a:effectRef>
+          <a:fontRef idx="minor">
+            <a:schemeClr val="tx1"/>
+          </a:fontRef>
+        </p:style>
+      </p:cxnSp>
+      <p:cxnSp>
+        <p:nvCxnSpPr>
+          <p:cNvPr id="19" name="직선 화살표 연결선 18"/>
+          <p:cNvCxnSpPr>
+            <a:endCxn id="9" idx="0"/>
+          </p:cNvCxnSpPr>
+          <p:nvPr/>
+        </p:nvCxnSpPr>
+        <p:spPr>
+          <a:xfrm>
+            <a:off x="6000700" y="3135456"/>
+            <a:ext cx="2654889" cy="509568"/>
+          </a:xfrm>
+          <a:prstGeom prst="straightConnector1">
+            <a:avLst/>
+          </a:prstGeom>
+          <a:ln>
+            <a:tailEnd type="arrow"/>
+          </a:ln>
+        </p:spPr>
+        <p:style>
+          <a:lnRef idx="1">
+            <a:schemeClr val="accent1"/>
+          </a:lnRef>
+          <a:fillRef idx="0">
+            <a:schemeClr val="accent1"/>
+          </a:fillRef>
+          <a:effectRef idx="0">
+            <a:schemeClr val="accent1"/>
+          </a:effectRef>
+          <a:fontRef idx="minor">
+            <a:schemeClr val="tx1"/>
+          </a:fontRef>
+        </p:style>
+      </p:cxnSp>
+    </p:spTree>
+    <p:extLst>
+      <p:ext uri="{BB962C8B-B14F-4D97-AF65-F5344CB8AC3E}">
+        <p14:creationId xmlns:p14="http://schemas.microsoft.com/office/powerpoint/2010/main" val="2642701266"/>
+      </p:ext>
+    </p:extLst>
+  </p:cSld>
+  <p:clrMapOvr>
+    <a:masterClrMapping/>
+  </p:clrMapOvr>
+</p:sld>
+</file>
+
+<file path=ppt/slides/slide6.xml><?xml version="1.0" encoding="utf-8"?>
 <p:sld xmlns:a="http://schemas.openxmlformats.org/drawingml/2006/main" xmlns:r="http://schemas.openxmlformats.org/officeDocument/2006/relationships" xmlns:p="http://schemas.openxmlformats.org/presentationml/2006/main">
   <p:cSld>
     <p:spTree>
